--- a/SuperMarioBoy.pptx
+++ b/SuperMarioBoy.pptx
@@ -329,7 +329,7 @@
             <a:fld id="{B61BEF0D-F0BB-DE4B-95CE-6DB70DBA9567}" type="datetimeFigureOut">
               <a:rPr lang="en-US" dirty="0"/>
               <a:pPr/>
-              <a:t>2/27/2019</a:t>
+              <a:t>3/2/2019</a:t>
             </a:fld>
             <a:endParaRPr lang="en-US" dirty="0"/>
           </a:p>
@@ -617,7 +617,7 @@
             <a:fld id="{B61BEF0D-F0BB-DE4B-95CE-6DB70DBA9567}" type="datetimeFigureOut">
               <a:rPr lang="en-US" dirty="0"/>
               <a:pPr/>
-              <a:t>2/27/2019</a:t>
+              <a:t>3/2/2019</a:t>
             </a:fld>
             <a:endParaRPr lang="en-US" dirty="0"/>
           </a:p>
@@ -873,7 +873,7 @@
             <a:fld id="{B61BEF0D-F0BB-DE4B-95CE-6DB70DBA9567}" type="datetimeFigureOut">
               <a:rPr lang="en-US" dirty="0"/>
               <a:pPr/>
-              <a:t>2/27/2019</a:t>
+              <a:t>3/2/2019</a:t>
             </a:fld>
             <a:endParaRPr lang="en-US" dirty="0"/>
           </a:p>
@@ -1339,7 +1339,7 @@
             <a:fld id="{B61BEF0D-F0BB-DE4B-95CE-6DB70DBA9567}" type="datetimeFigureOut">
               <a:rPr lang="en-US" dirty="0"/>
               <a:pPr/>
-              <a:t>2/27/2019</a:t>
+              <a:t>3/2/2019</a:t>
             </a:fld>
             <a:endParaRPr lang="en-US" dirty="0"/>
           </a:p>
@@ -1516,7 +1516,7 @@
             <a:fld id="{B61BEF0D-F0BB-DE4B-95CE-6DB70DBA9567}" type="datetimeFigureOut">
               <a:rPr lang="en-US" dirty="0"/>
               <a:pPr/>
-              <a:t>2/27/2019</a:t>
+              <a:t>3/2/2019</a:t>
             </a:fld>
             <a:endParaRPr lang="en-US" dirty="0"/>
           </a:p>
@@ -2089,7 +2089,7 @@
             <a:fld id="{B61BEF0D-F0BB-DE4B-95CE-6DB70DBA9567}" type="datetimeFigureOut">
               <a:rPr lang="en-US" dirty="0"/>
               <a:pPr/>
-              <a:t>2/27/2019</a:t>
+              <a:t>3/2/2019</a:t>
             </a:fld>
             <a:endParaRPr lang="en-US" dirty="0"/>
           </a:p>
@@ -2418,7 +2418,7 @@
             <a:fld id="{B61BEF0D-F0BB-DE4B-95CE-6DB70DBA9567}" type="datetimeFigureOut">
               <a:rPr lang="en-US" dirty="0"/>
               <a:pPr/>
-              <a:t>2/27/2019</a:t>
+              <a:t>3/2/2019</a:t>
             </a:fld>
             <a:endParaRPr lang="en-US" dirty="0"/>
           </a:p>
@@ -2590,7 +2590,7 @@
             <a:fld id="{B61BEF0D-F0BB-DE4B-95CE-6DB70DBA9567}" type="datetimeFigureOut">
               <a:rPr lang="en-US" dirty="0"/>
               <a:pPr/>
-              <a:t>2/27/2019</a:t>
+              <a:t>3/2/2019</a:t>
             </a:fld>
             <a:endParaRPr lang="en-US" dirty="0"/>
           </a:p>
@@ -2767,7 +2767,7 @@
             <a:fld id="{B61BEF0D-F0BB-DE4B-95CE-6DB70DBA9567}" type="datetimeFigureOut">
               <a:rPr lang="en-US" dirty="0"/>
               <a:pPr/>
-              <a:t>2/27/2019</a:t>
+              <a:t>3/2/2019</a:t>
             </a:fld>
             <a:endParaRPr lang="en-US" dirty="0"/>
           </a:p>
@@ -2934,7 +2934,7 @@
             <a:fld id="{B61BEF0D-F0BB-DE4B-95CE-6DB70DBA9567}" type="datetimeFigureOut">
               <a:rPr lang="en-US" dirty="0"/>
               <a:pPr/>
-              <a:t>2/27/2019</a:t>
+              <a:t>3/2/2019</a:t>
             </a:fld>
             <a:endParaRPr lang="en-US" dirty="0"/>
           </a:p>
@@ -3188,7 +3188,7 @@
             <a:fld id="{B61BEF0D-F0BB-DE4B-95CE-6DB70DBA9567}" type="datetimeFigureOut">
               <a:rPr lang="en-US" dirty="0"/>
               <a:pPr/>
-              <a:t>2/27/2019</a:t>
+              <a:t>3/2/2019</a:t>
             </a:fld>
             <a:endParaRPr lang="en-US" dirty="0"/>
           </a:p>
@@ -3477,7 +3477,7 @@
             <a:fld id="{B61BEF0D-F0BB-DE4B-95CE-6DB70DBA9567}" type="datetimeFigureOut">
               <a:rPr lang="en-US" dirty="0"/>
               <a:pPr/>
-              <a:t>2/27/2019</a:t>
+              <a:t>3/2/2019</a:t>
             </a:fld>
             <a:endParaRPr lang="en-US" dirty="0"/>
           </a:p>
@@ -3904,7 +3904,7 @@
             <a:fld id="{B61BEF0D-F0BB-DE4B-95CE-6DB70DBA9567}" type="datetimeFigureOut">
               <a:rPr lang="en-US" dirty="0"/>
               <a:pPr/>
-              <a:t>2/27/2019</a:t>
+              <a:t>3/2/2019</a:t>
             </a:fld>
             <a:endParaRPr lang="en-US" dirty="0"/>
           </a:p>
@@ -4019,7 +4019,7 @@
             <a:fld id="{B61BEF0D-F0BB-DE4B-95CE-6DB70DBA9567}" type="datetimeFigureOut">
               <a:rPr lang="en-US" dirty="0"/>
               <a:pPr/>
-              <a:t>2/27/2019</a:t>
+              <a:t>3/2/2019</a:t>
             </a:fld>
             <a:endParaRPr lang="en-US" dirty="0"/>
           </a:p>
@@ -4111,7 +4111,7 @@
             <a:fld id="{B61BEF0D-F0BB-DE4B-95CE-6DB70DBA9567}" type="datetimeFigureOut">
               <a:rPr lang="en-US" dirty="0"/>
               <a:pPr/>
-              <a:t>2/27/2019</a:t>
+              <a:t>3/2/2019</a:t>
             </a:fld>
             <a:endParaRPr lang="en-US" dirty="0"/>
           </a:p>
@@ -4391,7 +4391,7 @@
             <a:fld id="{B61BEF0D-F0BB-DE4B-95CE-6DB70DBA9567}" type="datetimeFigureOut">
               <a:rPr lang="en-US" dirty="0"/>
               <a:pPr/>
-              <a:t>2/27/2019</a:t>
+              <a:t>3/2/2019</a:t>
             </a:fld>
             <a:endParaRPr lang="en-US" dirty="0"/>
           </a:p>
@@ -4679,7 +4679,7 @@
             <a:fld id="{B61BEF0D-F0BB-DE4B-95CE-6DB70DBA9567}" type="datetimeFigureOut">
               <a:rPr lang="en-US" dirty="0"/>
               <a:pPr/>
-              <a:t>2/27/2019</a:t>
+              <a:t>3/2/2019</a:t>
             </a:fld>
             <a:endParaRPr lang="en-US" dirty="0"/>
           </a:p>
@@ -4907,7 +4907,7 @@
             <a:fld id="{B61BEF0D-F0BB-DE4B-95CE-6DB70DBA9567}" type="datetimeFigureOut">
               <a:rPr lang="en-US" dirty="0"/>
               <a:pPr/>
-              <a:t>2/27/2019</a:t>
+              <a:t>3/2/2019</a:t>
             </a:fld>
             <a:endParaRPr lang="en-US" dirty="0"/>
           </a:p>
@@ -5976,7 +5976,7 @@
         </p:blipFill>
         <p:spPr>
           <a:xfrm>
-            <a:off x="4907300" y="2580374"/>
+            <a:off x="1316201" y="2580374"/>
             <a:ext cx="2374223" cy="2364625"/>
           </a:xfrm>
           <a:prstGeom prst="rect">
@@ -6008,6 +6008,36 @@
           <a:xfrm>
             <a:off x="8002302" y="2580374"/>
             <a:ext cx="2364625" cy="2364625"/>
+          </a:xfrm>
+          <a:prstGeom prst="rect">
+            <a:avLst/>
+          </a:prstGeom>
+        </p:spPr>
+      </p:pic>
+      <p:pic>
+        <p:nvPicPr>
+          <p:cNvPr id="6" name="Рисунок 5"/>
+          <p:cNvPicPr>
+            <a:picLocks noChangeAspect="1"/>
+          </p:cNvPicPr>
+          <p:nvPr/>
+        </p:nvPicPr>
+        <p:blipFill>
+          <a:blip r:embed="rId4">
+            <a:extLst>
+              <a:ext uri="{28A0092B-C50C-407E-A947-70E740481C1C}">
+                <a14:useLocalDpi xmlns:a14="http://schemas.microsoft.com/office/drawing/2010/main" val="0"/>
+              </a:ext>
+            </a:extLst>
+          </a:blip>
+          <a:stretch>
+            <a:fillRect/>
+          </a:stretch>
+        </p:blipFill>
+        <p:spPr>
+          <a:xfrm>
+            <a:off x="4580314" y="2580373"/>
+            <a:ext cx="2535382" cy="2364625"/>
           </a:xfrm>
           <a:prstGeom prst="rect">
             <a:avLst/>
